--- a/anomaly_detection.pptx
+++ b/anomaly_detection.pptx
@@ -8,6 +8,8 @@
     <p:sldId id="256" r:id="rId2"/>
     <p:sldId id="257" r:id="rId3"/>
     <p:sldId id="258" r:id="rId4"/>
+    <p:sldId id="260" r:id="rId5"/>
+    <p:sldId id="259" r:id="rId6"/>
   </p:sldIdLst>
   <p:sldSz cx="12192000" cy="6858000"/>
   <p:notesSz cx="6858000" cy="9144000"/>
@@ -106,6 +108,11 @@
       </a:defRPr>
     </a:lvl9pPr>
   </p:defaultTextStyle>
+  <p:extLst>
+    <p:ext uri="{EFAFB233-063F-42B5-8137-9DF3F51BA10A}">
+      <p15:sldGuideLst xmlns:p15="http://schemas.microsoft.com/office/powerpoint/2012/main"/>
+    </p:ext>
+  </p:extLst>
 </p:presentation>
 </file>
 
@@ -339,7 +346,7 @@
             <a:fld id="{B61BEF0D-F0BB-DE4B-95CE-6DB70DBA9567}" type="datetimeFigureOut">
               <a:rPr lang="en-US" dirty="0"/>
               <a:pPr/>
-              <a:t>10/28/20</a:t>
+              <a:t>11/5/20</a:t>
             </a:fld>
             <a:endParaRPr lang="en-US" dirty="0"/>
           </a:p>
@@ -670,7 +677,7 @@
             <a:fld id="{B61BEF0D-F0BB-DE4B-95CE-6DB70DBA9567}" type="datetimeFigureOut">
               <a:rPr lang="en-US" dirty="0"/>
               <a:pPr/>
-              <a:t>10/28/20</a:t>
+              <a:t>11/5/20</a:t>
             </a:fld>
             <a:endParaRPr lang="en-US" dirty="0"/>
           </a:p>
@@ -945,7 +952,7 @@
             <a:fld id="{B61BEF0D-F0BB-DE4B-95CE-6DB70DBA9567}" type="datetimeFigureOut">
               <a:rPr lang="en-US" dirty="0"/>
               <a:pPr/>
-              <a:t>10/28/20</a:t>
+              <a:t>11/5/20</a:t>
             </a:fld>
             <a:endParaRPr lang="en-US" dirty="0"/>
           </a:p>
@@ -1510,7 +1517,7 @@
             <a:fld id="{B61BEF0D-F0BB-DE4B-95CE-6DB70DBA9567}" type="datetimeFigureOut">
               <a:rPr lang="en-US" dirty="0"/>
               <a:pPr/>
-              <a:t>10/28/20</a:t>
+              <a:t>11/5/20</a:t>
             </a:fld>
             <a:endParaRPr lang="en-US" dirty="0"/>
           </a:p>
@@ -1785,7 +1792,7 @@
             <a:fld id="{B61BEF0D-F0BB-DE4B-95CE-6DB70DBA9567}" type="datetimeFigureOut">
               <a:rPr lang="en-US" dirty="0"/>
               <a:pPr/>
-              <a:t>10/28/20</a:t>
+              <a:t>11/5/20</a:t>
             </a:fld>
             <a:endParaRPr lang="en-US" dirty="0"/>
           </a:p>
@@ -2344,7 +2351,7 @@
             <a:fld id="{B61BEF0D-F0BB-DE4B-95CE-6DB70DBA9567}" type="datetimeFigureOut">
               <a:rPr lang="en-US" dirty="0"/>
               <a:pPr/>
-              <a:t>10/28/20</a:t>
+              <a:t>11/5/20</a:t>
             </a:fld>
             <a:endParaRPr lang="en-US" dirty="0"/>
           </a:p>
@@ -2668,7 +2675,7 @@
             <a:fld id="{B61BEF0D-F0BB-DE4B-95CE-6DB70DBA9567}" type="datetimeFigureOut">
               <a:rPr lang="en-US" dirty="0"/>
               <a:pPr/>
-              <a:t>10/28/20</a:t>
+              <a:t>11/5/20</a:t>
             </a:fld>
             <a:endParaRPr lang="en-US" dirty="0"/>
           </a:p>
@@ -2842,7 +2849,7 @@
             <a:fld id="{B61BEF0D-F0BB-DE4B-95CE-6DB70DBA9567}" type="datetimeFigureOut">
               <a:rPr lang="en-US" dirty="0"/>
               <a:pPr/>
-              <a:t>10/28/20</a:t>
+              <a:t>11/5/20</a:t>
             </a:fld>
             <a:endParaRPr lang="en-US" dirty="0"/>
           </a:p>
@@ -3077,7 +3084,7 @@
             <a:fld id="{B61BEF0D-F0BB-DE4B-95CE-6DB70DBA9567}" type="datetimeFigureOut">
               <a:rPr lang="en-US" dirty="0"/>
               <a:pPr/>
-              <a:t>10/28/20</a:t>
+              <a:t>11/5/20</a:t>
             </a:fld>
             <a:endParaRPr lang="en-US" dirty="0"/>
           </a:p>
@@ -3274,7 +3281,7 @@
             <a:fld id="{B61BEF0D-F0BB-DE4B-95CE-6DB70DBA9567}" type="datetimeFigureOut">
               <a:rPr lang="en-US" dirty="0"/>
               <a:pPr/>
-              <a:t>10/28/20</a:t>
+              <a:t>11/5/20</a:t>
             </a:fld>
             <a:endParaRPr lang="en-US" dirty="0"/>
           </a:p>
@@ -3547,7 +3554,7 @@
             <a:fld id="{B61BEF0D-F0BB-DE4B-95CE-6DB70DBA9567}" type="datetimeFigureOut">
               <a:rPr lang="en-US" dirty="0"/>
               <a:pPr/>
-              <a:t>10/28/20</a:t>
+              <a:t>11/5/20</a:t>
             </a:fld>
             <a:endParaRPr lang="en-US" dirty="0"/>
           </a:p>
@@ -3810,7 +3817,7 @@
             <a:fld id="{B61BEF0D-F0BB-DE4B-95CE-6DB70DBA9567}" type="datetimeFigureOut">
               <a:rPr lang="en-US" dirty="0"/>
               <a:pPr/>
-              <a:t>10/28/20</a:t>
+              <a:t>11/5/20</a:t>
             </a:fld>
             <a:endParaRPr lang="en-US" dirty="0"/>
           </a:p>
@@ -4181,7 +4188,7 @@
             <a:fld id="{B61BEF0D-F0BB-DE4B-95CE-6DB70DBA9567}" type="datetimeFigureOut">
               <a:rPr lang="en-US" dirty="0"/>
               <a:pPr/>
-              <a:t>10/28/20</a:t>
+              <a:t>11/5/20</a:t>
             </a:fld>
             <a:endParaRPr lang="en-US" dirty="0"/>
           </a:p>
@@ -4326,7 +4333,7 @@
             <a:fld id="{B61BEF0D-F0BB-DE4B-95CE-6DB70DBA9567}" type="datetimeFigureOut">
               <a:rPr lang="en-US" dirty="0"/>
               <a:pPr/>
-              <a:t>10/28/20</a:t>
+              <a:t>11/5/20</a:t>
             </a:fld>
             <a:endParaRPr lang="en-US" dirty="0"/>
           </a:p>
@@ -4448,7 +4455,7 @@
             <a:fld id="{B61BEF0D-F0BB-DE4B-95CE-6DB70DBA9567}" type="datetimeFigureOut">
               <a:rPr lang="en-US" dirty="0"/>
               <a:pPr/>
-              <a:t>10/28/20</a:t>
+              <a:t>11/5/20</a:t>
             </a:fld>
             <a:endParaRPr lang="en-US" dirty="0"/>
           </a:p>
@@ -4730,7 +4737,7 @@
             <a:fld id="{B61BEF0D-F0BB-DE4B-95CE-6DB70DBA9567}" type="datetimeFigureOut">
               <a:rPr lang="en-US" dirty="0"/>
               <a:pPr/>
-              <a:t>10/28/20</a:t>
+              <a:t>11/5/20</a:t>
             </a:fld>
             <a:endParaRPr lang="en-US" dirty="0"/>
           </a:p>
@@ -5051,7 +5058,7 @@
             <a:fld id="{B61BEF0D-F0BB-DE4B-95CE-6DB70DBA9567}" type="datetimeFigureOut">
               <a:rPr lang="en-US" dirty="0"/>
               <a:pPr/>
-              <a:t>10/28/20</a:t>
+              <a:t>11/5/20</a:t>
             </a:fld>
             <a:endParaRPr lang="en-US" dirty="0"/>
           </a:p>
@@ -5262,7 +5269,7 @@
             <a:fld id="{B61BEF0D-F0BB-DE4B-95CE-6DB70DBA9567}" type="datetimeFigureOut">
               <a:rPr lang="en-US" dirty="0"/>
               <a:pPr/>
-              <a:t>10/28/20</a:t>
+              <a:t>11/5/20</a:t>
             </a:fld>
             <a:endParaRPr lang="en-US" dirty="0"/>
           </a:p>
@@ -5793,7 +5800,11 @@
           <a:lstStyle/>
           <a:p>
             <a:r>
-              <a:rPr lang="en-US" dirty="0"/>
+              <a:rPr lang="en-US" dirty="0">
+                <a:latin typeface="Tahoma" panose="020B0604030504040204" pitchFamily="34" charset="0"/>
+                <a:ea typeface="Tahoma" panose="020B0604030504040204" pitchFamily="34" charset="0"/>
+                <a:cs typeface="Tahoma" panose="020B0604030504040204" pitchFamily="34" charset="0"/>
+              </a:rPr>
               <a:t>Anomaly detection</a:t>
             </a:r>
           </a:p>
@@ -5821,7 +5832,11 @@
           <a:lstStyle/>
           <a:p>
             <a:r>
-              <a:rPr lang="en-US" dirty="0"/>
+              <a:rPr lang="en-US" dirty="0">
+                <a:latin typeface="Tahoma" panose="020B0604030504040204" pitchFamily="34" charset="0"/>
+                <a:ea typeface="Tahoma" panose="020B0604030504040204" pitchFamily="34" charset="0"/>
+                <a:cs typeface="Tahoma" panose="020B0604030504040204" pitchFamily="34" charset="0"/>
+              </a:rPr>
               <a:t>By Marcos Dominguez</a:t>
             </a:r>
           </a:p>
@@ -5880,7 +5895,11 @@
           <a:p>
             <a:pPr algn="ctr"/>
             <a:r>
-              <a:rPr lang="en-US" dirty="0"/>
+              <a:rPr lang="en-US" dirty="0">
+                <a:latin typeface="Tahoma" panose="020B0604030504040204" pitchFamily="34" charset="0"/>
+                <a:ea typeface="Tahoma" panose="020B0604030504040204" pitchFamily="34" charset="0"/>
+                <a:cs typeface="Tahoma" panose="020B0604030504040204" pitchFamily="34" charset="0"/>
+              </a:rPr>
               <a:t>What is it?</a:t>
             </a:r>
           </a:p>
@@ -5904,10 +5923,66 @@
         </p:nvSpPr>
         <p:spPr/>
         <p:txBody>
-          <a:bodyPr/>
-          <a:lstStyle/>
-          <a:p>
-            <a:endParaRPr lang="en-US"/>
+          <a:bodyPr anchor="t"/>
+          <a:lstStyle/>
+          <a:p>
+            <a:r>
+              <a:rPr lang="en-US" dirty="0">
+                <a:latin typeface="Tahoma" panose="020B0604030504040204" pitchFamily="34" charset="0"/>
+                <a:ea typeface="Tahoma" panose="020B0604030504040204" pitchFamily="34" charset="0"/>
+                <a:cs typeface="Tahoma" panose="020B0604030504040204" pitchFamily="34" charset="0"/>
+              </a:rPr>
+              <a:t>Detecting unexpected items</a:t>
+            </a:r>
+          </a:p>
+          <a:p>
+            <a:r>
+              <a:rPr lang="en-US" dirty="0">
+                <a:latin typeface="Tahoma" panose="020B0604030504040204" pitchFamily="34" charset="0"/>
+                <a:ea typeface="Tahoma" panose="020B0604030504040204" pitchFamily="34" charset="0"/>
+                <a:cs typeface="Tahoma" panose="020B0604030504040204" pitchFamily="34" charset="0"/>
+              </a:rPr>
+              <a:t>Unsupervised Learning</a:t>
+            </a:r>
+          </a:p>
+          <a:p>
+            <a:r>
+              <a:rPr lang="en-US" dirty="0">
+                <a:latin typeface="Tahoma" panose="020B0604030504040204" pitchFamily="34" charset="0"/>
+                <a:ea typeface="Tahoma" panose="020B0604030504040204" pitchFamily="34" charset="0"/>
+                <a:cs typeface="Tahoma" panose="020B0604030504040204" pitchFamily="34" charset="0"/>
+              </a:rPr>
+              <a:t>2 basic assumptions:</a:t>
+            </a:r>
+          </a:p>
+          <a:p>
+            <a:pPr lvl="1"/>
+            <a:r>
+              <a:rPr lang="en-US" dirty="0">
+                <a:latin typeface="Tahoma" panose="020B0604030504040204" pitchFamily="34" charset="0"/>
+                <a:ea typeface="Tahoma" panose="020B0604030504040204" pitchFamily="34" charset="0"/>
+                <a:cs typeface="Tahoma" panose="020B0604030504040204" pitchFamily="34" charset="0"/>
+              </a:rPr>
+              <a:t>Anomalies ONLY occur rarely</a:t>
+            </a:r>
+          </a:p>
+          <a:p>
+            <a:pPr lvl="1"/>
+            <a:r>
+              <a:rPr lang="en-US" dirty="0">
+                <a:latin typeface="Tahoma" panose="020B0604030504040204" pitchFamily="34" charset="0"/>
+                <a:ea typeface="Tahoma" panose="020B0604030504040204" pitchFamily="34" charset="0"/>
+                <a:cs typeface="Tahoma" panose="020B0604030504040204" pitchFamily="34" charset="0"/>
+              </a:rPr>
+              <a:t>Their features differ significantly from normal data</a:t>
+            </a:r>
+          </a:p>
+          <a:p>
+            <a:endParaRPr lang="en-US" dirty="0">
+              <a:latin typeface="Tahoma" panose="020B0604030504040204" pitchFamily="34" charset="0"/>
+              <a:ea typeface="Tahoma" panose="020B0604030504040204" pitchFamily="34" charset="0"/>
+              <a:cs typeface="Tahoma" panose="020B0604030504040204" pitchFamily="34" charset="0"/>
+            </a:endParaRPr>
           </a:p>
         </p:txBody>
       </p:sp>
@@ -5964,7 +6039,11 @@
           <a:p>
             <a:pPr algn="ctr"/>
             <a:r>
-              <a:rPr lang="en-US" dirty="0"/>
+              <a:rPr lang="en-US" dirty="0">
+                <a:latin typeface="Tahoma" panose="020B0604030504040204" pitchFamily="34" charset="0"/>
+                <a:ea typeface="Tahoma" panose="020B0604030504040204" pitchFamily="34" charset="0"/>
+                <a:cs typeface="Tahoma" panose="020B0604030504040204" pitchFamily="34" charset="0"/>
+              </a:rPr>
               <a:t>How is It used?</a:t>
             </a:r>
           </a:p>
@@ -5988,10 +6067,27 @@
         </p:nvSpPr>
         <p:spPr/>
         <p:txBody>
-          <a:bodyPr/>
-          <a:lstStyle/>
-          <a:p>
-            <a:endParaRPr lang="en-US"/>
+          <a:bodyPr anchor="t"/>
+          <a:lstStyle/>
+          <a:p>
+            <a:r>
+              <a:rPr lang="en-US" dirty="0">
+                <a:latin typeface="Tahoma" panose="020B0604030504040204" pitchFamily="34" charset="0"/>
+                <a:ea typeface="Tahoma" panose="020B0604030504040204" pitchFamily="34" charset="0"/>
+                <a:cs typeface="Tahoma" panose="020B0604030504040204" pitchFamily="34" charset="0"/>
+              </a:rPr>
+              <a:t>Detecting performance outliers</a:t>
+            </a:r>
+          </a:p>
+          <a:p>
+            <a:r>
+              <a:rPr lang="en-US" dirty="0">
+                <a:latin typeface="Tahoma" panose="020B0604030504040204" pitchFamily="34" charset="0"/>
+                <a:ea typeface="Tahoma" panose="020B0604030504040204" pitchFamily="34" charset="0"/>
+                <a:cs typeface="Tahoma" panose="020B0604030504040204" pitchFamily="34" charset="0"/>
+              </a:rPr>
+              <a:t>Fraud detection</a:t>
+            </a:r>
           </a:p>
         </p:txBody>
       </p:sp>
@@ -5999,6 +6095,379 @@
     <p:extLst>
       <p:ext uri="{BB962C8B-B14F-4D97-AF65-F5344CB8AC3E}">
         <p14:creationId xmlns:p14="http://schemas.microsoft.com/office/powerpoint/2010/main" val="3944064649"/>
+      </p:ext>
+    </p:extLst>
+  </p:cSld>
+  <p:clrMapOvr>
+    <a:masterClrMapping/>
+  </p:clrMapOvr>
+</p:sld>
+</file>
+
+<file path=ppt/slides/slide4.xml><?xml version="1.0" encoding="utf-8"?>
+<p:sld xmlns:a="http://schemas.openxmlformats.org/drawingml/2006/main" xmlns:r="http://schemas.openxmlformats.org/officeDocument/2006/relationships" xmlns:p="http://schemas.openxmlformats.org/presentationml/2006/main">
+  <p:cSld>
+    <p:spTree>
+      <p:nvGrpSpPr>
+        <p:cNvPr id="1" name=""/>
+        <p:cNvGrpSpPr/>
+        <p:nvPr/>
+      </p:nvGrpSpPr>
+      <p:grpSpPr>
+        <a:xfrm>
+          <a:off x="0" y="0"/>
+          <a:ext cx="0" cy="0"/>
+          <a:chOff x="0" y="0"/>
+          <a:chExt cx="0" cy="0"/>
+        </a:xfrm>
+      </p:grpSpPr>
+      <p:sp>
+        <p:nvSpPr>
+          <p:cNvPr id="2" name="Title 1">
+            <a:extLst>
+              <a:ext uri="{FF2B5EF4-FFF2-40B4-BE49-F238E27FC236}">
+                <a16:creationId xmlns:a16="http://schemas.microsoft.com/office/drawing/2014/main" id="{6CC08CD1-CAD7-4141-A1D8-64108C03ABF0}"/>
+              </a:ext>
+            </a:extLst>
+          </p:cNvPr>
+          <p:cNvSpPr>
+            <a:spLocks noGrp="1"/>
+          </p:cNvSpPr>
+          <p:nvPr>
+            <p:ph type="title"/>
+          </p:nvPr>
+        </p:nvSpPr>
+        <p:spPr/>
+        <p:txBody>
+          <a:bodyPr/>
+          <a:lstStyle/>
+          <a:p>
+            <a:pPr algn="ctr"/>
+            <a:r>
+              <a:rPr lang="en-US" dirty="0">
+                <a:latin typeface="Tahoma" panose="020B0604030504040204" pitchFamily="34" charset="0"/>
+                <a:ea typeface="Tahoma" panose="020B0604030504040204" pitchFamily="34" charset="0"/>
+                <a:cs typeface="Tahoma" panose="020B0604030504040204" pitchFamily="34" charset="0"/>
+              </a:rPr>
+              <a:t>Types of Algorithms</a:t>
+            </a:r>
+          </a:p>
+        </p:txBody>
+      </p:sp>
+      <p:sp>
+        <p:nvSpPr>
+          <p:cNvPr id="3" name="Content Placeholder 2">
+            <a:extLst>
+              <a:ext uri="{FF2B5EF4-FFF2-40B4-BE49-F238E27FC236}">
+                <a16:creationId xmlns:a16="http://schemas.microsoft.com/office/drawing/2014/main" id="{BA9E91FE-4A3C-BB4E-AD57-AE872E159940}"/>
+              </a:ext>
+            </a:extLst>
+          </p:cNvPr>
+          <p:cNvSpPr>
+            <a:spLocks noGrp="1"/>
+          </p:cNvSpPr>
+          <p:nvPr>
+            <p:ph idx="1"/>
+          </p:nvPr>
+        </p:nvSpPr>
+        <p:spPr/>
+        <p:txBody>
+          <a:bodyPr anchor="t"/>
+          <a:lstStyle/>
+          <a:p>
+            <a:r>
+              <a:rPr lang="en-US" dirty="0">
+                <a:latin typeface="Tahoma" panose="020B0604030504040204" pitchFamily="34" charset="0"/>
+                <a:ea typeface="Tahoma" panose="020B0604030504040204" pitchFamily="34" charset="0"/>
+                <a:cs typeface="Tahoma" panose="020B0604030504040204" pitchFamily="34" charset="0"/>
+              </a:rPr>
+              <a:t>Univariate</a:t>
+            </a:r>
+          </a:p>
+          <a:p>
+            <a:pPr lvl="1"/>
+            <a:r>
+              <a:rPr lang="en-US" dirty="0">
+                <a:latin typeface="Tahoma" panose="020B0604030504040204" pitchFamily="34" charset="0"/>
+                <a:ea typeface="Tahoma" panose="020B0604030504040204" pitchFamily="34" charset="0"/>
+                <a:cs typeface="Tahoma" panose="020B0604030504040204" pitchFamily="34" charset="0"/>
+              </a:rPr>
+              <a:t>Not very informative</a:t>
+            </a:r>
+          </a:p>
+          <a:p>
+            <a:r>
+              <a:rPr lang="en-US" dirty="0">
+                <a:latin typeface="Tahoma" panose="020B0604030504040204" pitchFamily="34" charset="0"/>
+                <a:ea typeface="Tahoma" panose="020B0604030504040204" pitchFamily="34" charset="0"/>
+                <a:cs typeface="Tahoma" panose="020B0604030504040204" pitchFamily="34" charset="0"/>
+              </a:rPr>
+              <a:t>Multivariate</a:t>
+            </a:r>
+          </a:p>
+          <a:p>
+            <a:pPr lvl="1"/>
+            <a:r>
+              <a:rPr lang="en-US" dirty="0">
+                <a:latin typeface="Tahoma" panose="020B0604030504040204" pitchFamily="34" charset="0"/>
+                <a:ea typeface="Tahoma" panose="020B0604030504040204" pitchFamily="34" charset="0"/>
+                <a:cs typeface="Tahoma" panose="020B0604030504040204" pitchFamily="34" charset="0"/>
+              </a:rPr>
+              <a:t>More informative</a:t>
+            </a:r>
+          </a:p>
+          <a:p>
+            <a:r>
+              <a:rPr lang="en-US" dirty="0">
+                <a:latin typeface="Tahoma" panose="020B0604030504040204" pitchFamily="34" charset="0"/>
+                <a:ea typeface="Tahoma" panose="020B0604030504040204" pitchFamily="34" charset="0"/>
+                <a:cs typeface="Tahoma" panose="020B0604030504040204" pitchFamily="34" charset="0"/>
+              </a:rPr>
+              <a:t>Algorithms:</a:t>
+            </a:r>
+          </a:p>
+          <a:p>
+            <a:pPr lvl="1"/>
+            <a:r>
+              <a:rPr lang="en-US" dirty="0">
+                <a:latin typeface="Tahoma" panose="020B0604030504040204" pitchFamily="34" charset="0"/>
+                <a:ea typeface="Tahoma" panose="020B0604030504040204" pitchFamily="34" charset="0"/>
+                <a:cs typeface="Tahoma" panose="020B0604030504040204" pitchFamily="34" charset="0"/>
+              </a:rPr>
+              <a:t>Isolation Forest</a:t>
+            </a:r>
+          </a:p>
+          <a:p>
+            <a:pPr lvl="1"/>
+            <a:r>
+              <a:rPr lang="en-US" dirty="0">
+                <a:latin typeface="Tahoma" panose="020B0604030504040204" pitchFamily="34" charset="0"/>
+                <a:ea typeface="Tahoma" panose="020B0604030504040204" pitchFamily="34" charset="0"/>
+                <a:cs typeface="Tahoma" panose="020B0604030504040204" pitchFamily="34" charset="0"/>
+              </a:rPr>
+              <a:t>Cluster-based Local Outlier Factor (CBLOF)</a:t>
+            </a:r>
+          </a:p>
+          <a:p>
+            <a:pPr lvl="1"/>
+            <a:r>
+              <a:rPr lang="en-US" dirty="0">
+                <a:latin typeface="Tahoma" panose="020B0604030504040204" pitchFamily="34" charset="0"/>
+                <a:ea typeface="Tahoma" panose="020B0604030504040204" pitchFamily="34" charset="0"/>
+                <a:cs typeface="Tahoma" panose="020B0604030504040204" pitchFamily="34" charset="0"/>
+              </a:rPr>
+              <a:t>Histogram-based Outlier Detection (HBOS)</a:t>
+            </a:r>
+          </a:p>
+          <a:p>
+            <a:pPr lvl="1"/>
+            <a:r>
+              <a:rPr lang="en-US" dirty="0">
+                <a:latin typeface="Tahoma" panose="020B0604030504040204" pitchFamily="34" charset="0"/>
+                <a:ea typeface="Tahoma" panose="020B0604030504040204" pitchFamily="34" charset="0"/>
+                <a:cs typeface="Tahoma" panose="020B0604030504040204" pitchFamily="34" charset="0"/>
+              </a:rPr>
+              <a:t>K - Nearest Neighbors (KNN)</a:t>
+            </a:r>
+          </a:p>
+          <a:p>
+            <a:pPr lvl="1"/>
+            <a:endParaRPr lang="en-US" dirty="0">
+              <a:latin typeface="Tahoma" panose="020B0604030504040204" pitchFamily="34" charset="0"/>
+              <a:ea typeface="Tahoma" panose="020B0604030504040204" pitchFamily="34" charset="0"/>
+              <a:cs typeface="Tahoma" panose="020B0604030504040204" pitchFamily="34" charset="0"/>
+            </a:endParaRPr>
+          </a:p>
+          <a:p>
+            <a:pPr lvl="1"/>
+            <a:endParaRPr lang="en-US" dirty="0">
+              <a:latin typeface="Tahoma" panose="020B0604030504040204" pitchFamily="34" charset="0"/>
+              <a:ea typeface="Tahoma" panose="020B0604030504040204" pitchFamily="34" charset="0"/>
+              <a:cs typeface="Tahoma" panose="020B0604030504040204" pitchFamily="34" charset="0"/>
+            </a:endParaRPr>
+          </a:p>
+          <a:p>
+            <a:pPr lvl="1"/>
+            <a:endParaRPr lang="en-US" dirty="0">
+              <a:latin typeface="Tahoma" panose="020B0604030504040204" pitchFamily="34" charset="0"/>
+              <a:ea typeface="Tahoma" panose="020B0604030504040204" pitchFamily="34" charset="0"/>
+              <a:cs typeface="Tahoma" panose="020B0604030504040204" pitchFamily="34" charset="0"/>
+            </a:endParaRPr>
+          </a:p>
+          <a:p>
+            <a:pPr lvl="1"/>
+            <a:endParaRPr lang="en-US" dirty="0">
+              <a:latin typeface="Tahoma" panose="020B0604030504040204" pitchFamily="34" charset="0"/>
+              <a:ea typeface="Tahoma" panose="020B0604030504040204" pitchFamily="34" charset="0"/>
+              <a:cs typeface="Tahoma" panose="020B0604030504040204" pitchFamily="34" charset="0"/>
+            </a:endParaRPr>
+          </a:p>
+          <a:p>
+            <a:pPr lvl="1"/>
+            <a:endParaRPr lang="en-US" dirty="0">
+              <a:latin typeface="Tahoma" panose="020B0604030504040204" pitchFamily="34" charset="0"/>
+              <a:ea typeface="Tahoma" panose="020B0604030504040204" pitchFamily="34" charset="0"/>
+              <a:cs typeface="Tahoma" panose="020B0604030504040204" pitchFamily="34" charset="0"/>
+            </a:endParaRPr>
+          </a:p>
+        </p:txBody>
+      </p:sp>
+    </p:spTree>
+    <p:extLst>
+      <p:ext uri="{BB962C8B-B14F-4D97-AF65-F5344CB8AC3E}">
+        <p14:creationId xmlns:p14="http://schemas.microsoft.com/office/powerpoint/2010/main" val="759845178"/>
+      </p:ext>
+    </p:extLst>
+  </p:cSld>
+  <p:clrMapOvr>
+    <a:masterClrMapping/>
+  </p:clrMapOvr>
+</p:sld>
+</file>
+
+<file path=ppt/slides/slide5.xml><?xml version="1.0" encoding="utf-8"?>
+<p:sld xmlns:a="http://schemas.openxmlformats.org/drawingml/2006/main" xmlns:r="http://schemas.openxmlformats.org/officeDocument/2006/relationships" xmlns:p="http://schemas.openxmlformats.org/presentationml/2006/main">
+  <p:cSld>
+    <p:spTree>
+      <p:nvGrpSpPr>
+        <p:cNvPr id="1" name=""/>
+        <p:cNvGrpSpPr/>
+        <p:nvPr/>
+      </p:nvGrpSpPr>
+      <p:grpSpPr>
+        <a:xfrm>
+          <a:off x="0" y="0"/>
+          <a:ext cx="0" cy="0"/>
+          <a:chOff x="0" y="0"/>
+          <a:chExt cx="0" cy="0"/>
+        </a:xfrm>
+      </p:grpSpPr>
+      <p:sp>
+        <p:nvSpPr>
+          <p:cNvPr id="2" name="Title 1">
+            <a:extLst>
+              <a:ext uri="{FF2B5EF4-FFF2-40B4-BE49-F238E27FC236}">
+                <a16:creationId xmlns:a16="http://schemas.microsoft.com/office/drawing/2014/main" id="{6CC08CD1-CAD7-4141-A1D8-64108C03ABF0}"/>
+              </a:ext>
+            </a:extLst>
+          </p:cNvPr>
+          <p:cNvSpPr>
+            <a:spLocks noGrp="1"/>
+          </p:cNvSpPr>
+          <p:nvPr>
+            <p:ph type="title"/>
+          </p:nvPr>
+        </p:nvSpPr>
+        <p:spPr/>
+        <p:txBody>
+          <a:bodyPr/>
+          <a:lstStyle/>
+          <a:p>
+            <a:pPr algn="ctr"/>
+            <a:r>
+              <a:rPr lang="en-US" dirty="0">
+                <a:latin typeface="Tahoma" panose="020B0604030504040204" pitchFamily="34" charset="0"/>
+                <a:ea typeface="Tahoma" panose="020B0604030504040204" pitchFamily="34" charset="0"/>
+                <a:cs typeface="Tahoma" panose="020B0604030504040204" pitchFamily="34" charset="0"/>
+              </a:rPr>
+              <a:t>Acknowledgements</a:t>
+            </a:r>
+          </a:p>
+        </p:txBody>
+      </p:sp>
+      <p:sp>
+        <p:nvSpPr>
+          <p:cNvPr id="3" name="Content Placeholder 2">
+            <a:extLst>
+              <a:ext uri="{FF2B5EF4-FFF2-40B4-BE49-F238E27FC236}">
+                <a16:creationId xmlns:a16="http://schemas.microsoft.com/office/drawing/2014/main" id="{BA9E91FE-4A3C-BB4E-AD57-AE872E159940}"/>
+              </a:ext>
+            </a:extLst>
+          </p:cNvPr>
+          <p:cNvSpPr>
+            <a:spLocks noGrp="1"/>
+          </p:cNvSpPr>
+          <p:nvPr>
+            <p:ph idx="1"/>
+          </p:nvPr>
+        </p:nvSpPr>
+        <p:spPr/>
+        <p:txBody>
+          <a:bodyPr anchor="t"/>
+          <a:lstStyle/>
+          <a:p>
+            <a:r>
+              <a:rPr lang="en-US" dirty="0">
+                <a:latin typeface="Tahoma" panose="020B0604030504040204" pitchFamily="34" charset="0"/>
+                <a:ea typeface="Tahoma" panose="020B0604030504040204" pitchFamily="34" charset="0"/>
+                <a:cs typeface="Tahoma" panose="020B0604030504040204" pitchFamily="34" charset="0"/>
+              </a:rPr>
+              <a:t>Susan Li, </a:t>
+            </a:r>
+            <a:r>
+              <a:rPr lang="en-US" dirty="0">
+                <a:latin typeface="Tahoma" panose="020B0604030504040204" pitchFamily="34" charset="0"/>
+                <a:ea typeface="Tahoma" panose="020B0604030504040204" pitchFamily="34" charset="0"/>
+                <a:cs typeface="Tahoma" panose="020B0604030504040204" pitchFamily="34" charset="0"/>
+                <a:hlinkClick r:id="rId2"/>
+              </a:rPr>
+              <a:t>Towards Data Science</a:t>
+            </a:r>
+            <a:endParaRPr lang="en-US" dirty="0">
+              <a:latin typeface="Tahoma" panose="020B0604030504040204" pitchFamily="34" charset="0"/>
+              <a:ea typeface="Tahoma" panose="020B0604030504040204" pitchFamily="34" charset="0"/>
+              <a:cs typeface="Tahoma" panose="020B0604030504040204" pitchFamily="34" charset="0"/>
+            </a:endParaRPr>
+          </a:p>
+          <a:p>
+            <a:r>
+              <a:rPr lang="en-US" dirty="0">
+                <a:latin typeface="Tahoma" panose="020B0604030504040204" pitchFamily="34" charset="0"/>
+                <a:ea typeface="Tahoma" panose="020B0604030504040204" pitchFamily="34" charset="0"/>
+                <a:cs typeface="Tahoma" panose="020B0604030504040204" pitchFamily="34" charset="0"/>
+              </a:rPr>
+              <a:t>Scikit-learn</a:t>
+            </a:r>
+          </a:p>
+          <a:p>
+            <a:r>
+              <a:rPr lang="en-US" dirty="0">
+                <a:latin typeface="Tahoma" panose="020B0604030504040204" pitchFamily="34" charset="0"/>
+                <a:ea typeface="Tahoma" panose="020B0604030504040204" pitchFamily="34" charset="0"/>
+                <a:cs typeface="Tahoma" panose="020B0604030504040204" pitchFamily="34" charset="0"/>
+              </a:rPr>
+              <a:t>Seaborn, Matplotlib</a:t>
+            </a:r>
+          </a:p>
+          <a:p>
+            <a:r>
+              <a:rPr lang="en-US" dirty="0">
+                <a:latin typeface="Tahoma" panose="020B0604030504040204" pitchFamily="34" charset="0"/>
+                <a:ea typeface="Tahoma" panose="020B0604030504040204" pitchFamily="34" charset="0"/>
+                <a:cs typeface="Tahoma" panose="020B0604030504040204" pitchFamily="34" charset="0"/>
+              </a:rPr>
+              <a:t>Python, </a:t>
+            </a:r>
+            <a:r>
+              <a:rPr lang="en-US" dirty="0" err="1">
+                <a:latin typeface="Tahoma" panose="020B0604030504040204" pitchFamily="34" charset="0"/>
+                <a:ea typeface="Tahoma" panose="020B0604030504040204" pitchFamily="34" charset="0"/>
+                <a:cs typeface="Tahoma" panose="020B0604030504040204" pitchFamily="34" charset="0"/>
+              </a:rPr>
+              <a:t>PyOD</a:t>
+            </a:r>
+            <a:endParaRPr lang="en-US" dirty="0">
+              <a:latin typeface="Tahoma" panose="020B0604030504040204" pitchFamily="34" charset="0"/>
+              <a:ea typeface="Tahoma" panose="020B0604030504040204" pitchFamily="34" charset="0"/>
+              <a:cs typeface="Tahoma" panose="020B0604030504040204" pitchFamily="34" charset="0"/>
+            </a:endParaRPr>
+          </a:p>
+        </p:txBody>
+      </p:sp>
+    </p:spTree>
+    <p:extLst>
+      <p:ext uri="{BB962C8B-B14F-4D97-AF65-F5344CB8AC3E}">
+        <p14:creationId xmlns:p14="http://schemas.microsoft.com/office/powerpoint/2010/main" val="4087364374"/>
       </p:ext>
     </p:extLst>
   </p:cSld>

--- a/anomaly_detection.pptx
+++ b/anomaly_detection.pptx
@@ -9,7 +9,11 @@
     <p:sldId id="257" r:id="rId3"/>
     <p:sldId id="258" r:id="rId4"/>
     <p:sldId id="260" r:id="rId5"/>
-    <p:sldId id="259" r:id="rId6"/>
+    <p:sldId id="264" r:id="rId6"/>
+    <p:sldId id="261" r:id="rId7"/>
+    <p:sldId id="262" r:id="rId8"/>
+    <p:sldId id="263" r:id="rId9"/>
+    <p:sldId id="259" r:id="rId10"/>
   </p:sldIdLst>
   <p:sldSz cx="12192000" cy="6858000"/>
   <p:notesSz cx="6858000" cy="9144000"/>
@@ -6089,6 +6093,16 @@
               <a:t>Fraud detection</a:t>
             </a:r>
           </a:p>
+          <a:p>
+            <a:r>
+              <a:rPr lang="en-US" dirty="0">
+                <a:latin typeface="Tahoma" panose="020B0604030504040204" pitchFamily="34" charset="0"/>
+                <a:ea typeface="Tahoma" panose="020B0604030504040204" pitchFamily="34" charset="0"/>
+                <a:cs typeface="Tahoma" panose="020B0604030504040204" pitchFamily="34" charset="0"/>
+              </a:rPr>
+              <a:t>Extreme price changes (stock trading)</a:t>
+            </a:r>
+          </a:p>
         </p:txBody>
       </p:sp>
     </p:spTree>
@@ -6172,11 +6186,13 @@
         </p:nvSpPr>
         <p:spPr/>
         <p:txBody>
-          <a:bodyPr anchor="t"/>
-          <a:lstStyle/>
-          <a:p>
-            <a:r>
-              <a:rPr lang="en-US" dirty="0">
+          <a:bodyPr anchor="t">
+            <a:normAutofit/>
+          </a:bodyPr>
+          <a:lstStyle/>
+          <a:p>
+            <a:r>
+              <a:rPr lang="en-US" sz="2000" dirty="0">
                 <a:latin typeface="Tahoma" panose="020B0604030504040204" pitchFamily="34" charset="0"/>
                 <a:ea typeface="Tahoma" panose="020B0604030504040204" pitchFamily="34" charset="0"/>
                 <a:cs typeface="Tahoma" panose="020B0604030504040204" pitchFamily="34" charset="0"/>
@@ -6187,7 +6203,7 @@
           <a:p>
             <a:pPr lvl="1"/>
             <a:r>
-              <a:rPr lang="en-US" dirty="0">
+              <a:rPr lang="en-US" sz="1800" dirty="0">
                 <a:latin typeface="Tahoma" panose="020B0604030504040204" pitchFamily="34" charset="0"/>
                 <a:ea typeface="Tahoma" panose="020B0604030504040204" pitchFamily="34" charset="0"/>
                 <a:cs typeface="Tahoma" panose="020B0604030504040204" pitchFamily="34" charset="0"/>
@@ -6197,7 +6213,7 @@
           </a:p>
           <a:p>
             <a:r>
-              <a:rPr lang="en-US" dirty="0">
+              <a:rPr lang="en-US" sz="2000" dirty="0">
                 <a:latin typeface="Tahoma" panose="020B0604030504040204" pitchFamily="34" charset="0"/>
                 <a:ea typeface="Tahoma" panose="020B0604030504040204" pitchFamily="34" charset="0"/>
                 <a:cs typeface="Tahoma" panose="020B0604030504040204" pitchFamily="34" charset="0"/>
@@ -6208,7 +6224,7 @@
           <a:p>
             <a:pPr lvl="1"/>
             <a:r>
-              <a:rPr lang="en-US" dirty="0">
+              <a:rPr lang="en-US" sz="1800" dirty="0">
                 <a:latin typeface="Tahoma" panose="020B0604030504040204" pitchFamily="34" charset="0"/>
                 <a:ea typeface="Tahoma" panose="020B0604030504040204" pitchFamily="34" charset="0"/>
                 <a:cs typeface="Tahoma" panose="020B0604030504040204" pitchFamily="34" charset="0"/>
@@ -6218,7 +6234,7 @@
           </a:p>
           <a:p>
             <a:r>
-              <a:rPr lang="en-US" dirty="0">
+              <a:rPr lang="en-US" sz="2000" dirty="0">
                 <a:latin typeface="Tahoma" panose="020B0604030504040204" pitchFamily="34" charset="0"/>
                 <a:ea typeface="Tahoma" panose="020B0604030504040204" pitchFamily="34" charset="0"/>
                 <a:cs typeface="Tahoma" panose="020B0604030504040204" pitchFamily="34" charset="0"/>
@@ -6229,7 +6245,18 @@
           <a:p>
             <a:pPr lvl="1"/>
             <a:r>
-              <a:rPr lang="en-US" dirty="0">
+              <a:rPr lang="en-US" sz="1800" dirty="0">
+                <a:latin typeface="Tahoma" panose="020B0604030504040204" pitchFamily="34" charset="0"/>
+                <a:ea typeface="Tahoma" panose="020B0604030504040204" pitchFamily="34" charset="0"/>
+                <a:cs typeface="Tahoma" panose="020B0604030504040204" pitchFamily="34" charset="0"/>
+              </a:rPr>
+              <a:t>Cluster-based Local Outlier Factor (CBLOF)</a:t>
+            </a:r>
+          </a:p>
+          <a:p>
+            <a:pPr lvl="1"/>
+            <a:r>
+              <a:rPr lang="en-US" sz="1800" dirty="0">
                 <a:latin typeface="Tahoma" panose="020B0604030504040204" pitchFamily="34" charset="0"/>
                 <a:ea typeface="Tahoma" panose="020B0604030504040204" pitchFamily="34" charset="0"/>
                 <a:cs typeface="Tahoma" panose="020B0604030504040204" pitchFamily="34" charset="0"/>
@@ -6240,29 +6267,7 @@
           <a:p>
             <a:pPr lvl="1"/>
             <a:r>
-              <a:rPr lang="en-US" dirty="0">
-                <a:latin typeface="Tahoma" panose="020B0604030504040204" pitchFamily="34" charset="0"/>
-                <a:ea typeface="Tahoma" panose="020B0604030504040204" pitchFamily="34" charset="0"/>
-                <a:cs typeface="Tahoma" panose="020B0604030504040204" pitchFamily="34" charset="0"/>
-              </a:rPr>
-              <a:t>Cluster-based Local Outlier Factor (CBLOF)</a:t>
-            </a:r>
-          </a:p>
-          <a:p>
-            <a:pPr lvl="1"/>
-            <a:r>
-              <a:rPr lang="en-US" dirty="0">
-                <a:latin typeface="Tahoma" panose="020B0604030504040204" pitchFamily="34" charset="0"/>
-                <a:ea typeface="Tahoma" panose="020B0604030504040204" pitchFamily="34" charset="0"/>
-                <a:cs typeface="Tahoma" panose="020B0604030504040204" pitchFamily="34" charset="0"/>
-              </a:rPr>
-              <a:t>Histogram-based Outlier Detection (HBOS)</a:t>
-            </a:r>
-          </a:p>
-          <a:p>
-            <a:pPr lvl="1"/>
-            <a:r>
-              <a:rPr lang="en-US" dirty="0">
+              <a:rPr lang="en-US" sz="1800" dirty="0">
                 <a:latin typeface="Tahoma" panose="020B0604030504040204" pitchFamily="34" charset="0"/>
                 <a:ea typeface="Tahoma" panose="020B0604030504040204" pitchFamily="34" charset="0"/>
                 <a:cs typeface="Tahoma" panose="020B0604030504040204" pitchFamily="34" charset="0"/>
@@ -6328,6 +6333,15 @@
 <file path=ppt/slides/slide5.xml><?xml version="1.0" encoding="utf-8"?>
 <p:sld xmlns:a="http://schemas.openxmlformats.org/drawingml/2006/main" xmlns:r="http://schemas.openxmlformats.org/officeDocument/2006/relationships" xmlns:p="http://schemas.openxmlformats.org/presentationml/2006/main">
   <p:cSld>
+    <p:bg>
+      <p:bgPr>
+        <a:blipFill>
+          <a:blip r:embed="rId2"/>
+          <a:stretch/>
+        </a:blipFill>
+        <a:effectLst/>
+      </p:bgPr>
+    </p:bg>
     <p:spTree>
       <p:nvGrpSpPr>
         <p:cNvPr id="1" name=""/>
@@ -6358,19 +6372,25 @@
             <p:ph type="title"/>
           </p:nvPr>
         </p:nvSpPr>
-        <p:spPr/>
-        <p:txBody>
-          <a:bodyPr/>
-          <a:lstStyle/>
-          <a:p>
-            <a:pPr algn="ctr"/>
+        <p:spPr>
+          <a:xfrm>
+            <a:off x="825909" y="808055"/>
+            <a:ext cx="3979205" cy="1453363"/>
+          </a:xfrm>
+        </p:spPr>
+        <p:txBody>
+          <a:bodyPr>
+            <a:normAutofit/>
+          </a:bodyPr>
+          <a:lstStyle/>
+          <a:p>
             <a:r>
               <a:rPr lang="en-US" dirty="0">
                 <a:latin typeface="Tahoma" panose="020B0604030504040204" pitchFamily="34" charset="0"/>
                 <a:ea typeface="Tahoma" panose="020B0604030504040204" pitchFamily="34" charset="0"/>
                 <a:cs typeface="Tahoma" panose="020B0604030504040204" pitchFamily="34" charset="0"/>
               </a:rPr>
-              <a:t>Acknowledgements</a:t>
+              <a:t>How does it work?</a:t>
             </a:r>
           </a:p>
         </p:txBody>
@@ -6391,6 +6411,790 @@
             <p:ph idx="1"/>
           </p:nvPr>
         </p:nvSpPr>
+        <p:spPr>
+          <a:xfrm>
+            <a:off x="802178" y="2261420"/>
+            <a:ext cx="3759883" cy="3637935"/>
+          </a:xfrm>
+        </p:spPr>
+        <p:txBody>
+          <a:bodyPr anchor="t">
+            <a:normAutofit/>
+          </a:bodyPr>
+          <a:lstStyle/>
+          <a:p>
+            <a:r>
+              <a:rPr lang="en-US" dirty="0">
+                <a:latin typeface="Tahoma" panose="020B0604030504040204" pitchFamily="34" charset="0"/>
+                <a:ea typeface="Tahoma" panose="020B0604030504040204" pitchFamily="34" charset="0"/>
+                <a:cs typeface="Tahoma" panose="020B0604030504040204" pitchFamily="34" charset="0"/>
+              </a:rPr>
+              <a:t>Largely based on outliers</a:t>
+            </a:r>
+          </a:p>
+          <a:p>
+            <a:r>
+              <a:rPr lang="en-US" dirty="0">
+                <a:latin typeface="Tahoma" panose="020B0604030504040204" pitchFamily="34" charset="0"/>
+                <a:ea typeface="Tahoma" panose="020B0604030504040204" pitchFamily="34" charset="0"/>
+                <a:cs typeface="Tahoma" panose="020B0604030504040204" pitchFamily="34" charset="0"/>
+              </a:rPr>
+              <a:t>One of these is not like the others</a:t>
+            </a:r>
+          </a:p>
+          <a:p>
+            <a:endParaRPr lang="en-US" dirty="0">
+              <a:latin typeface="Tahoma" panose="020B0604030504040204" pitchFamily="34" charset="0"/>
+              <a:ea typeface="Tahoma" panose="020B0604030504040204" pitchFamily="34" charset="0"/>
+              <a:cs typeface="Tahoma" panose="020B0604030504040204" pitchFamily="34" charset="0"/>
+            </a:endParaRPr>
+          </a:p>
+          <a:p>
+            <a:pPr lvl="1"/>
+            <a:endParaRPr lang="en-US" dirty="0">
+              <a:latin typeface="Tahoma" panose="020B0604030504040204" pitchFamily="34" charset="0"/>
+              <a:ea typeface="Tahoma" panose="020B0604030504040204" pitchFamily="34" charset="0"/>
+              <a:cs typeface="Tahoma" panose="020B0604030504040204" pitchFamily="34" charset="0"/>
+            </a:endParaRPr>
+          </a:p>
+          <a:p>
+            <a:pPr lvl="1"/>
+            <a:endParaRPr lang="en-US" dirty="0">
+              <a:latin typeface="Tahoma" panose="020B0604030504040204" pitchFamily="34" charset="0"/>
+              <a:ea typeface="Tahoma" panose="020B0604030504040204" pitchFamily="34" charset="0"/>
+              <a:cs typeface="Tahoma" panose="020B0604030504040204" pitchFamily="34" charset="0"/>
+            </a:endParaRPr>
+          </a:p>
+          <a:p>
+            <a:pPr lvl="1"/>
+            <a:endParaRPr lang="en-US" dirty="0">
+              <a:latin typeface="Tahoma" panose="020B0604030504040204" pitchFamily="34" charset="0"/>
+              <a:ea typeface="Tahoma" panose="020B0604030504040204" pitchFamily="34" charset="0"/>
+              <a:cs typeface="Tahoma" panose="020B0604030504040204" pitchFamily="34" charset="0"/>
+            </a:endParaRPr>
+          </a:p>
+          <a:p>
+            <a:pPr lvl="1"/>
+            <a:endParaRPr lang="en-US" dirty="0">
+              <a:latin typeface="Tahoma" panose="020B0604030504040204" pitchFamily="34" charset="0"/>
+              <a:ea typeface="Tahoma" panose="020B0604030504040204" pitchFamily="34" charset="0"/>
+              <a:cs typeface="Tahoma" panose="020B0604030504040204" pitchFamily="34" charset="0"/>
+            </a:endParaRPr>
+          </a:p>
+        </p:txBody>
+      </p:sp>
+      <p:pic>
+        <p:nvPicPr>
+          <p:cNvPr id="6" name="Picture 5">
+            <a:extLst>
+              <a:ext uri="{FF2B5EF4-FFF2-40B4-BE49-F238E27FC236}">
+                <a16:creationId xmlns:a16="http://schemas.microsoft.com/office/drawing/2014/main" id="{2FCA0876-722F-4F40-8B0F-44A1A2E75085}"/>
+              </a:ext>
+            </a:extLst>
+          </p:cNvPr>
+          <p:cNvPicPr>
+            <a:picLocks noChangeAspect="1"/>
+          </p:cNvPicPr>
+          <p:nvPr/>
+        </p:nvPicPr>
+        <p:blipFill>
+          <a:blip r:embed="rId3"/>
+          <a:stretch>
+            <a:fillRect/>
+          </a:stretch>
+        </p:blipFill>
+        <p:spPr>
+          <a:xfrm>
+            <a:off x="4723222" y="1534736"/>
+            <a:ext cx="6901493" cy="3882090"/>
+          </a:xfrm>
+          <a:prstGeom prst="roundRect">
+            <a:avLst>
+              <a:gd name="adj" fmla="val 4380"/>
+            </a:avLst>
+          </a:prstGeom>
+          <a:ln w="50800" cap="sq" cmpd="dbl">
+            <a:gradFill flip="none" rotWithShape="1">
+              <a:gsLst>
+                <a:gs pos="0">
+                  <a:srgbClr val="FFFFFF"/>
+                </a:gs>
+                <a:gs pos="100000">
+                  <a:schemeClr val="tx1">
+                    <a:alpha val="0"/>
+                  </a:schemeClr>
+                </a:gs>
+              </a:gsLst>
+              <a:path path="circle">
+                <a:fillToRect l="50000" t="50000" r="50000" b="50000"/>
+              </a:path>
+              <a:tileRect/>
+            </a:gradFill>
+            <a:miter lim="800000"/>
+          </a:ln>
+          <a:effectLst>
+            <a:outerShdw blurRad="254000" algn="tl" rotWithShape="0">
+              <a:srgbClr val="000000">
+                <a:alpha val="43000"/>
+              </a:srgbClr>
+            </a:outerShdw>
+          </a:effectLst>
+        </p:spPr>
+      </p:pic>
+      <p:sp>
+        <p:nvSpPr>
+          <p:cNvPr id="7" name="TextBox 6">
+            <a:extLst>
+              <a:ext uri="{FF2B5EF4-FFF2-40B4-BE49-F238E27FC236}">
+                <a16:creationId xmlns:a16="http://schemas.microsoft.com/office/drawing/2014/main" id="{6A538308-3BDB-C746-9973-02773E957BA4}"/>
+              </a:ext>
+            </a:extLst>
+          </p:cNvPr>
+          <p:cNvSpPr txBox="1"/>
+          <p:nvPr/>
+        </p:nvSpPr>
+        <p:spPr>
+          <a:xfrm>
+            <a:off x="5059017" y="1967947"/>
+            <a:ext cx="2327871" cy="707886"/>
+          </a:xfrm>
+          <a:prstGeom prst="rect">
+            <a:avLst/>
+          </a:prstGeom>
+          <a:noFill/>
+        </p:spPr>
+        <p:txBody>
+          <a:bodyPr wrap="square" rtlCol="0">
+            <a:spAutoFit/>
+          </a:bodyPr>
+          <a:lstStyle/>
+          <a:p>
+            <a:r>
+              <a:rPr lang="en-US" sz="4000" dirty="0"/>
+              <a:t>Outliers!</a:t>
+            </a:r>
+          </a:p>
+        </p:txBody>
+      </p:sp>
+    </p:spTree>
+    <p:extLst>
+      <p:ext uri="{BB962C8B-B14F-4D97-AF65-F5344CB8AC3E}">
+        <p14:creationId xmlns:p14="http://schemas.microsoft.com/office/powerpoint/2010/main" val="3611817432"/>
+      </p:ext>
+    </p:extLst>
+  </p:cSld>
+  <p:clrMapOvr>
+    <a:masterClrMapping/>
+  </p:clrMapOvr>
+</p:sld>
+</file>
+
+<file path=ppt/slides/slide6.xml><?xml version="1.0" encoding="utf-8"?>
+<p:sld xmlns:a="http://schemas.openxmlformats.org/drawingml/2006/main" xmlns:r="http://schemas.openxmlformats.org/officeDocument/2006/relationships" xmlns:p="http://schemas.openxmlformats.org/presentationml/2006/main">
+  <p:cSld>
+    <p:bg>
+      <p:bgPr>
+        <a:blipFill>
+          <a:blip r:embed="rId2"/>
+          <a:stretch/>
+        </a:blipFill>
+        <a:effectLst/>
+      </p:bgPr>
+    </p:bg>
+    <p:spTree>
+      <p:nvGrpSpPr>
+        <p:cNvPr id="1" name=""/>
+        <p:cNvGrpSpPr/>
+        <p:nvPr/>
+      </p:nvGrpSpPr>
+      <p:grpSpPr>
+        <a:xfrm>
+          <a:off x="0" y="0"/>
+          <a:ext cx="0" cy="0"/>
+          <a:chOff x="0" y="0"/>
+          <a:chExt cx="0" cy="0"/>
+        </a:xfrm>
+      </p:grpSpPr>
+      <p:pic>
+        <p:nvPicPr>
+          <p:cNvPr id="20" name="Picture 19">
+            <a:extLst>
+              <a:ext uri="{FF2B5EF4-FFF2-40B4-BE49-F238E27FC236}">
+                <a16:creationId xmlns:a16="http://schemas.microsoft.com/office/drawing/2014/main" id="{6AF6706C-CF07-43A1-BCC4-CBA5D33820DA}"/>
+              </a:ext>
+              <a:ext uri="{C183D7F6-B498-43B3-948B-1728B52AA6E4}">
+                <adec:decorative xmlns:adec="http://schemas.microsoft.com/office/drawing/2017/decorative" val="1"/>
+              </a:ext>
+            </a:extLst>
+          </p:cNvPr>
+          <p:cNvPicPr>
+            <a:picLocks noGrp="1" noRot="1" noChangeAspect="1" noMove="1" noResize="1" noEditPoints="1" noAdjustHandles="1" noChangeArrowheads="1" noChangeShapeType="1" noCrop="1"/>
+          </p:cNvPicPr>
+          <p:nvPr>
+            <p:extLst>
+              <p:ext uri="{386F3935-93C4-4BCD-93E2-E3B085C9AB24}">
+                <p16:designElem xmlns:p16="http://schemas.microsoft.com/office/powerpoint/2015/main" val="1"/>
+              </p:ext>
+            </p:extLst>
+          </p:nvPr>
+        </p:nvPicPr>
+        <p:blipFill>
+          <a:blip r:embed="rId3">
+            <a:extLst>
+              <a:ext uri="{28A0092B-C50C-407E-A947-70E740481C1C}">
+                <a14:useLocalDpi xmlns:a14="http://schemas.microsoft.com/office/drawing/2010/main" val="0"/>
+              </a:ext>
+            </a:extLst>
+          </a:blip>
+          <a:stretch>
+            <a:fillRect/>
+          </a:stretch>
+        </p:blipFill>
+        <p:spPr>
+          <a:xfrm>
+            <a:off x="0" y="0"/>
+            <a:ext cx="12188825" cy="6856214"/>
+          </a:xfrm>
+          <a:prstGeom prst="rect">
+            <a:avLst/>
+          </a:prstGeom>
+        </p:spPr>
+      </p:pic>
+      <p:sp>
+        <p:nvSpPr>
+          <p:cNvPr id="2" name="Title 1">
+            <a:extLst>
+              <a:ext uri="{FF2B5EF4-FFF2-40B4-BE49-F238E27FC236}">
+                <a16:creationId xmlns:a16="http://schemas.microsoft.com/office/drawing/2014/main" id="{6CC08CD1-CAD7-4141-A1D8-64108C03ABF0}"/>
+              </a:ext>
+            </a:extLst>
+          </p:cNvPr>
+          <p:cNvSpPr>
+            <a:spLocks noGrp="1"/>
+          </p:cNvSpPr>
+          <p:nvPr>
+            <p:ph type="title"/>
+          </p:nvPr>
+        </p:nvSpPr>
+        <p:spPr>
+          <a:xfrm>
+            <a:off x="643464" y="639097"/>
+            <a:ext cx="4789678" cy="3746634"/>
+          </a:xfrm>
+        </p:spPr>
+        <p:txBody>
+          <a:bodyPr vert="horz" lIns="91440" tIns="45720" rIns="91440" bIns="45720" rtlCol="0" anchor="t">
+            <a:normAutofit/>
+          </a:bodyPr>
+          <a:lstStyle/>
+          <a:p>
+            <a:r>
+              <a:rPr lang="en-US" sz="4800" dirty="0"/>
+              <a:t>Example: CBLOF</a:t>
+            </a:r>
+          </a:p>
+        </p:txBody>
+      </p:sp>
+      <p:pic>
+        <p:nvPicPr>
+          <p:cNvPr id="12" name="Picture 11">
+            <a:extLst>
+              <a:ext uri="{FF2B5EF4-FFF2-40B4-BE49-F238E27FC236}">
+                <a16:creationId xmlns:a16="http://schemas.microsoft.com/office/drawing/2014/main" id="{81D11CBF-D885-B74F-B4C5-217F0D84D0E1}"/>
+              </a:ext>
+              <a:ext uri="{C183D7F6-B498-43B3-948B-1728B52AA6E4}">
+                <adec:decorative xmlns:adec="http://schemas.microsoft.com/office/drawing/2017/decorative" val="1"/>
+              </a:ext>
+            </a:extLst>
+          </p:cNvPr>
+          <p:cNvPicPr>
+            <a:picLocks noChangeAspect="1"/>
+          </p:cNvPicPr>
+          <p:nvPr/>
+        </p:nvPicPr>
+        <p:blipFill>
+          <a:blip r:embed="rId4"/>
+          <a:stretch>
+            <a:fillRect/>
+          </a:stretch>
+        </p:blipFill>
+        <p:spPr>
+          <a:xfrm>
+            <a:off x="5640551" y="539706"/>
+            <a:ext cx="5600606" cy="6038391"/>
+          </a:xfrm>
+          <a:prstGeom prst="roundRect">
+            <a:avLst>
+              <a:gd name="adj" fmla="val 4380"/>
+            </a:avLst>
+          </a:prstGeom>
+          <a:ln w="50800" cap="sq" cmpd="dbl">
+            <a:gradFill flip="none" rotWithShape="1">
+              <a:gsLst>
+                <a:gs pos="0">
+                  <a:srgbClr val="FFFFFF"/>
+                </a:gs>
+                <a:gs pos="100000">
+                  <a:schemeClr val="tx1">
+                    <a:alpha val="0"/>
+                  </a:schemeClr>
+                </a:gs>
+              </a:gsLst>
+              <a:path path="circle">
+                <a:fillToRect l="50000" t="50000" r="50000" b="50000"/>
+              </a:path>
+              <a:tileRect/>
+            </a:gradFill>
+            <a:miter lim="800000"/>
+          </a:ln>
+          <a:effectLst>
+            <a:outerShdw blurRad="254000" algn="tl" rotWithShape="0">
+              <a:srgbClr val="000000">
+                <a:alpha val="43000"/>
+              </a:srgbClr>
+            </a:outerShdw>
+          </a:effectLst>
+        </p:spPr>
+      </p:pic>
+    </p:spTree>
+    <p:extLst>
+      <p:ext uri="{BB962C8B-B14F-4D97-AF65-F5344CB8AC3E}">
+        <p14:creationId xmlns:p14="http://schemas.microsoft.com/office/powerpoint/2010/main" val="4136643251"/>
+      </p:ext>
+    </p:extLst>
+  </p:cSld>
+  <p:clrMapOvr>
+    <a:masterClrMapping/>
+  </p:clrMapOvr>
+</p:sld>
+</file>
+
+<file path=ppt/slides/slide7.xml><?xml version="1.0" encoding="utf-8"?>
+<p:sld xmlns:a="http://schemas.openxmlformats.org/drawingml/2006/main" xmlns:r="http://schemas.openxmlformats.org/officeDocument/2006/relationships" xmlns:p="http://schemas.openxmlformats.org/presentationml/2006/main">
+  <p:cSld>
+    <p:bg>
+      <p:bgPr>
+        <a:blipFill>
+          <a:blip r:embed="rId2"/>
+          <a:stretch/>
+        </a:blipFill>
+        <a:effectLst/>
+      </p:bgPr>
+    </p:bg>
+    <p:spTree>
+      <p:nvGrpSpPr>
+        <p:cNvPr id="1" name=""/>
+        <p:cNvGrpSpPr/>
+        <p:nvPr/>
+      </p:nvGrpSpPr>
+      <p:grpSpPr>
+        <a:xfrm>
+          <a:off x="0" y="0"/>
+          <a:ext cx="0" cy="0"/>
+          <a:chOff x="0" y="0"/>
+          <a:chExt cx="0" cy="0"/>
+        </a:xfrm>
+      </p:grpSpPr>
+      <p:pic>
+        <p:nvPicPr>
+          <p:cNvPr id="14" name="Picture 13">
+            <a:extLst>
+              <a:ext uri="{FF2B5EF4-FFF2-40B4-BE49-F238E27FC236}">
+                <a16:creationId xmlns:a16="http://schemas.microsoft.com/office/drawing/2014/main" id="{6AF6706C-CF07-43A1-BCC4-CBA5D33820DA}"/>
+              </a:ext>
+              <a:ext uri="{C183D7F6-B498-43B3-948B-1728B52AA6E4}">
+                <adec:decorative xmlns:adec="http://schemas.microsoft.com/office/drawing/2017/decorative" val="1"/>
+              </a:ext>
+            </a:extLst>
+          </p:cNvPr>
+          <p:cNvPicPr>
+            <a:picLocks noGrp="1" noRot="1" noChangeAspect="1" noMove="1" noResize="1" noEditPoints="1" noAdjustHandles="1" noChangeArrowheads="1" noChangeShapeType="1" noCrop="1"/>
+          </p:cNvPicPr>
+          <p:nvPr>
+            <p:extLst>
+              <p:ext uri="{386F3935-93C4-4BCD-93E2-E3B085C9AB24}">
+                <p16:designElem xmlns:p16="http://schemas.microsoft.com/office/powerpoint/2015/main" val="1"/>
+              </p:ext>
+            </p:extLst>
+          </p:nvPr>
+        </p:nvPicPr>
+        <p:blipFill>
+          <a:blip r:embed="rId3">
+            <a:extLst>
+              <a:ext uri="{28A0092B-C50C-407E-A947-70E740481C1C}">
+                <a14:useLocalDpi xmlns:a14="http://schemas.microsoft.com/office/drawing/2010/main" val="0"/>
+              </a:ext>
+            </a:extLst>
+          </a:blip>
+          <a:stretch>
+            <a:fillRect/>
+          </a:stretch>
+        </p:blipFill>
+        <p:spPr>
+          <a:xfrm>
+            <a:off x="0" y="0"/>
+            <a:ext cx="12188825" cy="6856214"/>
+          </a:xfrm>
+          <a:prstGeom prst="rect">
+            <a:avLst/>
+          </a:prstGeom>
+        </p:spPr>
+      </p:pic>
+      <p:sp>
+        <p:nvSpPr>
+          <p:cNvPr id="2" name="Title 1">
+            <a:extLst>
+              <a:ext uri="{FF2B5EF4-FFF2-40B4-BE49-F238E27FC236}">
+                <a16:creationId xmlns:a16="http://schemas.microsoft.com/office/drawing/2014/main" id="{6CC08CD1-CAD7-4141-A1D8-64108C03ABF0}"/>
+              </a:ext>
+            </a:extLst>
+          </p:cNvPr>
+          <p:cNvSpPr>
+            <a:spLocks noGrp="1"/>
+          </p:cNvSpPr>
+          <p:nvPr>
+            <p:ph type="title"/>
+          </p:nvPr>
+        </p:nvSpPr>
+        <p:spPr>
+          <a:xfrm>
+            <a:off x="643464" y="639097"/>
+            <a:ext cx="4789678" cy="3746634"/>
+          </a:xfrm>
+        </p:spPr>
+        <p:txBody>
+          <a:bodyPr vert="horz" lIns="91440" tIns="45720" rIns="91440" bIns="45720" rtlCol="0" anchor="t">
+            <a:normAutofit/>
+          </a:bodyPr>
+          <a:lstStyle/>
+          <a:p>
+            <a:r>
+              <a:rPr lang="en-US" sz="4800" dirty="0"/>
+              <a:t>Example: Isolation forest</a:t>
+            </a:r>
+          </a:p>
+        </p:txBody>
+      </p:sp>
+      <p:pic>
+        <p:nvPicPr>
+          <p:cNvPr id="7" name="Picture 6">
+            <a:extLst>
+              <a:ext uri="{FF2B5EF4-FFF2-40B4-BE49-F238E27FC236}">
+                <a16:creationId xmlns:a16="http://schemas.microsoft.com/office/drawing/2014/main" id="{437FB32D-EBB1-1348-BDE1-D315DB6230E1}"/>
+              </a:ext>
+              <a:ext uri="{C183D7F6-B498-43B3-948B-1728B52AA6E4}">
+                <adec:decorative xmlns:adec="http://schemas.microsoft.com/office/drawing/2017/decorative" val="1"/>
+              </a:ext>
+            </a:extLst>
+          </p:cNvPr>
+          <p:cNvPicPr>
+            <a:picLocks noChangeAspect="1"/>
+          </p:cNvPicPr>
+          <p:nvPr/>
+        </p:nvPicPr>
+        <p:blipFill>
+          <a:blip r:embed="rId4"/>
+          <a:stretch>
+            <a:fillRect/>
+          </a:stretch>
+        </p:blipFill>
+        <p:spPr>
+          <a:xfrm>
+            <a:off x="5708065" y="559584"/>
+            <a:ext cx="5642421" cy="5986655"/>
+          </a:xfrm>
+          <a:prstGeom prst="roundRect">
+            <a:avLst>
+              <a:gd name="adj" fmla="val 4380"/>
+            </a:avLst>
+          </a:prstGeom>
+          <a:ln w="50800" cap="sq" cmpd="dbl">
+            <a:gradFill flip="none" rotWithShape="1">
+              <a:gsLst>
+                <a:gs pos="0">
+                  <a:srgbClr val="FFFFFF"/>
+                </a:gs>
+                <a:gs pos="100000">
+                  <a:schemeClr val="tx1">
+                    <a:alpha val="0"/>
+                  </a:schemeClr>
+                </a:gs>
+              </a:gsLst>
+              <a:path path="circle">
+                <a:fillToRect l="50000" t="50000" r="50000" b="50000"/>
+              </a:path>
+              <a:tileRect/>
+            </a:gradFill>
+            <a:miter lim="800000"/>
+          </a:ln>
+          <a:effectLst>
+            <a:outerShdw blurRad="254000" algn="tl" rotWithShape="0">
+              <a:srgbClr val="000000">
+                <a:alpha val="43000"/>
+              </a:srgbClr>
+            </a:outerShdw>
+          </a:effectLst>
+        </p:spPr>
+      </p:pic>
+    </p:spTree>
+    <p:extLst>
+      <p:ext uri="{BB962C8B-B14F-4D97-AF65-F5344CB8AC3E}">
+        <p14:creationId xmlns:p14="http://schemas.microsoft.com/office/powerpoint/2010/main" val="403430016"/>
+      </p:ext>
+    </p:extLst>
+  </p:cSld>
+  <p:clrMapOvr>
+    <a:masterClrMapping/>
+  </p:clrMapOvr>
+</p:sld>
+</file>
+
+<file path=ppt/slides/slide8.xml><?xml version="1.0" encoding="utf-8"?>
+<p:sld xmlns:a="http://schemas.openxmlformats.org/drawingml/2006/main" xmlns:r="http://schemas.openxmlformats.org/officeDocument/2006/relationships" xmlns:p="http://schemas.openxmlformats.org/presentationml/2006/main">
+  <p:cSld>
+    <p:bg>
+      <p:bgPr>
+        <a:blipFill>
+          <a:blip r:embed="rId2"/>
+          <a:stretch/>
+        </a:blipFill>
+        <a:effectLst/>
+      </p:bgPr>
+    </p:bg>
+    <p:spTree>
+      <p:nvGrpSpPr>
+        <p:cNvPr id="1" name=""/>
+        <p:cNvGrpSpPr/>
+        <p:nvPr/>
+      </p:nvGrpSpPr>
+      <p:grpSpPr>
+        <a:xfrm>
+          <a:off x="0" y="0"/>
+          <a:ext cx="0" cy="0"/>
+          <a:chOff x="0" y="0"/>
+          <a:chExt cx="0" cy="0"/>
+        </a:xfrm>
+      </p:grpSpPr>
+      <p:pic>
+        <p:nvPicPr>
+          <p:cNvPr id="19" name="Picture 18">
+            <a:extLst>
+              <a:ext uri="{FF2B5EF4-FFF2-40B4-BE49-F238E27FC236}">
+                <a16:creationId xmlns:a16="http://schemas.microsoft.com/office/drawing/2014/main" id="{6AF6706C-CF07-43A1-BCC4-CBA5D33820DA}"/>
+              </a:ext>
+              <a:ext uri="{C183D7F6-B498-43B3-948B-1728B52AA6E4}">
+                <adec:decorative xmlns:adec="http://schemas.microsoft.com/office/drawing/2017/decorative" val="1"/>
+              </a:ext>
+            </a:extLst>
+          </p:cNvPr>
+          <p:cNvPicPr>
+            <a:picLocks noGrp="1" noRot="1" noChangeAspect="1" noMove="1" noResize="1" noEditPoints="1" noAdjustHandles="1" noChangeArrowheads="1" noChangeShapeType="1" noCrop="1"/>
+          </p:cNvPicPr>
+          <p:nvPr>
+            <p:extLst>
+              <p:ext uri="{386F3935-93C4-4BCD-93E2-E3B085C9AB24}">
+                <p16:designElem xmlns:p16="http://schemas.microsoft.com/office/powerpoint/2015/main" val="1"/>
+              </p:ext>
+            </p:extLst>
+          </p:nvPr>
+        </p:nvPicPr>
+        <p:blipFill>
+          <a:blip r:embed="rId3">
+            <a:extLst>
+              <a:ext uri="{28A0092B-C50C-407E-A947-70E740481C1C}">
+                <a14:useLocalDpi xmlns:a14="http://schemas.microsoft.com/office/drawing/2010/main" val="0"/>
+              </a:ext>
+            </a:extLst>
+          </a:blip>
+          <a:stretch>
+            <a:fillRect/>
+          </a:stretch>
+        </p:blipFill>
+        <p:spPr>
+          <a:xfrm>
+            <a:off x="0" y="0"/>
+            <a:ext cx="12188825" cy="6856214"/>
+          </a:xfrm>
+          <a:prstGeom prst="rect">
+            <a:avLst/>
+          </a:prstGeom>
+        </p:spPr>
+      </p:pic>
+      <p:sp>
+        <p:nvSpPr>
+          <p:cNvPr id="2" name="Title 1">
+            <a:extLst>
+              <a:ext uri="{FF2B5EF4-FFF2-40B4-BE49-F238E27FC236}">
+                <a16:creationId xmlns:a16="http://schemas.microsoft.com/office/drawing/2014/main" id="{6CC08CD1-CAD7-4141-A1D8-64108C03ABF0}"/>
+              </a:ext>
+            </a:extLst>
+          </p:cNvPr>
+          <p:cNvSpPr>
+            <a:spLocks noGrp="1"/>
+          </p:cNvSpPr>
+          <p:nvPr>
+            <p:ph type="title"/>
+          </p:nvPr>
+        </p:nvSpPr>
+        <p:spPr>
+          <a:xfrm>
+            <a:off x="643464" y="639097"/>
+            <a:ext cx="4789678" cy="3746634"/>
+          </a:xfrm>
+        </p:spPr>
+        <p:txBody>
+          <a:bodyPr vert="horz" lIns="91440" tIns="45720" rIns="91440" bIns="45720" rtlCol="0" anchor="t">
+            <a:normAutofit/>
+          </a:bodyPr>
+          <a:lstStyle/>
+          <a:p>
+            <a:r>
+              <a:rPr lang="en-US" sz="4800" dirty="0"/>
+              <a:t>Example: KNN</a:t>
+            </a:r>
+          </a:p>
+        </p:txBody>
+      </p:sp>
+      <p:pic>
+        <p:nvPicPr>
+          <p:cNvPr id="7" name="Picture 6">
+            <a:extLst>
+              <a:ext uri="{FF2B5EF4-FFF2-40B4-BE49-F238E27FC236}">
+                <a16:creationId xmlns:a16="http://schemas.microsoft.com/office/drawing/2014/main" id="{E8DC7B65-A14D-2A4E-BA86-EEF3FB8A401B}"/>
+              </a:ext>
+              <a:ext uri="{C183D7F6-B498-43B3-948B-1728B52AA6E4}">
+                <adec:decorative xmlns:adec="http://schemas.microsoft.com/office/drawing/2017/decorative" val="1"/>
+              </a:ext>
+            </a:extLst>
+          </p:cNvPr>
+          <p:cNvPicPr>
+            <a:picLocks noChangeAspect="1"/>
+          </p:cNvPicPr>
+          <p:nvPr/>
+        </p:nvPicPr>
+        <p:blipFill>
+          <a:blip r:embed="rId4"/>
+          <a:stretch>
+            <a:fillRect/>
+          </a:stretch>
+        </p:blipFill>
+        <p:spPr>
+          <a:xfrm>
+            <a:off x="5630611" y="480071"/>
+            <a:ext cx="5540971" cy="5974095"/>
+          </a:xfrm>
+          <a:prstGeom prst="roundRect">
+            <a:avLst>
+              <a:gd name="adj" fmla="val 4380"/>
+            </a:avLst>
+          </a:prstGeom>
+          <a:ln w="50800" cap="sq" cmpd="dbl">
+            <a:gradFill flip="none" rotWithShape="1">
+              <a:gsLst>
+                <a:gs pos="0">
+                  <a:srgbClr val="FFFFFF"/>
+                </a:gs>
+                <a:gs pos="100000">
+                  <a:schemeClr val="tx1">
+                    <a:alpha val="0"/>
+                  </a:schemeClr>
+                </a:gs>
+              </a:gsLst>
+              <a:path path="circle">
+                <a:fillToRect l="50000" t="50000" r="50000" b="50000"/>
+              </a:path>
+              <a:tileRect/>
+            </a:gradFill>
+            <a:miter lim="800000"/>
+          </a:ln>
+          <a:effectLst>
+            <a:outerShdw blurRad="254000" algn="tl" rotWithShape="0">
+              <a:srgbClr val="000000">
+                <a:alpha val="43000"/>
+              </a:srgbClr>
+            </a:outerShdw>
+          </a:effectLst>
+        </p:spPr>
+      </p:pic>
+    </p:spTree>
+    <p:extLst>
+      <p:ext uri="{BB962C8B-B14F-4D97-AF65-F5344CB8AC3E}">
+        <p14:creationId xmlns:p14="http://schemas.microsoft.com/office/powerpoint/2010/main" val="3796607539"/>
+      </p:ext>
+    </p:extLst>
+  </p:cSld>
+  <p:clrMapOvr>
+    <a:masterClrMapping/>
+  </p:clrMapOvr>
+</p:sld>
+</file>
+
+<file path=ppt/slides/slide9.xml><?xml version="1.0" encoding="utf-8"?>
+<p:sld xmlns:a="http://schemas.openxmlformats.org/drawingml/2006/main" xmlns:r="http://schemas.openxmlformats.org/officeDocument/2006/relationships" xmlns:p="http://schemas.openxmlformats.org/presentationml/2006/main">
+  <p:cSld>
+    <p:spTree>
+      <p:nvGrpSpPr>
+        <p:cNvPr id="1" name=""/>
+        <p:cNvGrpSpPr/>
+        <p:nvPr/>
+      </p:nvGrpSpPr>
+      <p:grpSpPr>
+        <a:xfrm>
+          <a:off x="0" y="0"/>
+          <a:ext cx="0" cy="0"/>
+          <a:chOff x="0" y="0"/>
+          <a:chExt cx="0" cy="0"/>
+        </a:xfrm>
+      </p:grpSpPr>
+      <p:sp>
+        <p:nvSpPr>
+          <p:cNvPr id="2" name="Title 1">
+            <a:extLst>
+              <a:ext uri="{FF2B5EF4-FFF2-40B4-BE49-F238E27FC236}">
+                <a16:creationId xmlns:a16="http://schemas.microsoft.com/office/drawing/2014/main" id="{6CC08CD1-CAD7-4141-A1D8-64108C03ABF0}"/>
+              </a:ext>
+            </a:extLst>
+          </p:cNvPr>
+          <p:cNvSpPr>
+            <a:spLocks noGrp="1"/>
+          </p:cNvSpPr>
+          <p:nvPr>
+            <p:ph type="title"/>
+          </p:nvPr>
+        </p:nvSpPr>
+        <p:spPr/>
+        <p:txBody>
+          <a:bodyPr/>
+          <a:lstStyle/>
+          <a:p>
+            <a:pPr algn="ctr"/>
+            <a:r>
+              <a:rPr lang="en-US" dirty="0">
+                <a:latin typeface="Tahoma" panose="020B0604030504040204" pitchFamily="34" charset="0"/>
+                <a:ea typeface="Tahoma" panose="020B0604030504040204" pitchFamily="34" charset="0"/>
+                <a:cs typeface="Tahoma" panose="020B0604030504040204" pitchFamily="34" charset="0"/>
+              </a:rPr>
+              <a:t>Acknowledgements</a:t>
+            </a:r>
+          </a:p>
+        </p:txBody>
+      </p:sp>
+      <p:sp>
+        <p:nvSpPr>
+          <p:cNvPr id="3" name="Content Placeholder 2">
+            <a:extLst>
+              <a:ext uri="{FF2B5EF4-FFF2-40B4-BE49-F238E27FC236}">
+                <a16:creationId xmlns:a16="http://schemas.microsoft.com/office/drawing/2014/main" id="{BA9E91FE-4A3C-BB4E-AD57-AE872E159940}"/>
+              </a:ext>
+            </a:extLst>
+          </p:cNvPr>
+          <p:cNvSpPr>
+            <a:spLocks noGrp="1"/>
+          </p:cNvSpPr>
+          <p:nvPr>
+            <p:ph idx="1"/>
+          </p:nvPr>
+        </p:nvSpPr>
         <p:spPr/>
         <p:txBody>
           <a:bodyPr anchor="t"/>
@@ -6421,6 +7225,38 @@
           </a:p>
           <a:p>
             <a:r>
+              <a:rPr lang="en-US" dirty="0" err="1">
+                <a:latin typeface="Tahoma" panose="020B0604030504040204" pitchFamily="34" charset="0"/>
+                <a:ea typeface="Tahoma" panose="020B0604030504040204" pitchFamily="34" charset="0"/>
+                <a:cs typeface="Tahoma" panose="020B0604030504040204" pitchFamily="34" charset="0"/>
+              </a:rPr>
+              <a:t>Lakshay</a:t>
+            </a:r>
+            <a:r>
+              <a:rPr lang="en-US" dirty="0">
+                <a:latin typeface="Tahoma" panose="020B0604030504040204" pitchFamily="34" charset="0"/>
+                <a:ea typeface="Tahoma" panose="020B0604030504040204" pitchFamily="34" charset="0"/>
+                <a:cs typeface="Tahoma" panose="020B0604030504040204" pitchFamily="34" charset="0"/>
+              </a:rPr>
+              <a:t> Arora, </a:t>
+            </a:r>
+            <a:r>
+              <a:rPr lang="en-US" dirty="0">
+                <a:latin typeface="Tahoma" panose="020B0604030504040204" pitchFamily="34" charset="0"/>
+                <a:ea typeface="Tahoma" panose="020B0604030504040204" pitchFamily="34" charset="0"/>
+                <a:cs typeface="Tahoma" panose="020B0604030504040204" pitchFamily="34" charset="0"/>
+                <a:hlinkClick r:id="rId3"/>
+              </a:rPr>
+              <a:t>AnalyticsVidhya</a:t>
+            </a:r>
+            <a:endParaRPr lang="en-US" dirty="0">
+              <a:latin typeface="Tahoma" panose="020B0604030504040204" pitchFamily="34" charset="0"/>
+              <a:ea typeface="Tahoma" panose="020B0604030504040204" pitchFamily="34" charset="0"/>
+              <a:cs typeface="Tahoma" panose="020B0604030504040204" pitchFamily="34" charset="0"/>
+            </a:endParaRPr>
+          </a:p>
+          <a:p>
+            <a:r>
               <a:rPr lang="en-US" dirty="0">
                 <a:latin typeface="Tahoma" panose="020B0604030504040204" pitchFamily="34" charset="0"/>
                 <a:ea typeface="Tahoma" panose="020B0604030504040204" pitchFamily="34" charset="0"/>
@@ -6455,6 +7291,30 @@
                 <a:cs typeface="Tahoma" panose="020B0604030504040204" pitchFamily="34" charset="0"/>
               </a:rPr>
               <a:t>PyOD</a:t>
+            </a:r>
+            <a:endParaRPr lang="en-US" dirty="0">
+              <a:latin typeface="Tahoma" panose="020B0604030504040204" pitchFamily="34" charset="0"/>
+              <a:ea typeface="Tahoma" panose="020B0604030504040204" pitchFamily="34" charset="0"/>
+              <a:cs typeface="Tahoma" panose="020B0604030504040204" pitchFamily="34" charset="0"/>
+            </a:endParaRPr>
+          </a:p>
+          <a:p>
+            <a:r>
+              <a:rPr lang="en-US" dirty="0">
+                <a:latin typeface="Tahoma" panose="020B0604030504040204" pitchFamily="34" charset="0"/>
+                <a:ea typeface="Tahoma" panose="020B0604030504040204" pitchFamily="34" charset="0"/>
+                <a:cs typeface="Tahoma" panose="020B0604030504040204" pitchFamily="34" charset="0"/>
+              </a:rPr>
+              <a:t>Full code and presentation </a:t>
+            </a:r>
+            <a:r>
+              <a:rPr lang="en-US" dirty="0">
+                <a:latin typeface="Tahoma" panose="020B0604030504040204" pitchFamily="34" charset="0"/>
+                <a:ea typeface="Tahoma" panose="020B0604030504040204" pitchFamily="34" charset="0"/>
+                <a:cs typeface="Tahoma" panose="020B0604030504040204" pitchFamily="34" charset="0"/>
+                <a:hlinkClick r:id="rId4"/>
+              </a:rPr>
+              <a:t>here</a:t>
             </a:r>
             <a:endParaRPr lang="en-US" dirty="0">
               <a:latin typeface="Tahoma" panose="020B0604030504040204" pitchFamily="34" charset="0"/>
